--- a/08-creating_a_ruby_gem.pptx
+++ b/08-creating_a_ruby_gem.pptx
@@ -165,7 +165,7 @@
   </p:defaultTextStyle>
   <p:extLst>
     <p:ext uri="{EFAFB233-063F-42B5-8137-9DF3F51BA10A}">
-      <p15:sldGuideLst xmlns:p15="http://schemas.microsoft.com/office/powerpoint/2012/main" xmlns="">
+      <p15:sldGuideLst xmlns="" xmlns:p15="http://schemas.microsoft.com/office/powerpoint/2012/main">
         <p15:guide id="1" orient="horz" pos="894">
           <p15:clr>
             <a:srgbClr val="A4A3A4"/>
@@ -179,7 +179,7 @@
       </p15:sldGuideLst>
     </p:ext>
     <p:ext uri="{2D200454-40CA-4A62-9FC3-DE9A4176ACB9}">
-      <p15:notesGuideLst xmlns:p15="http://schemas.microsoft.com/office/powerpoint/2012/main" xmlns=""/>
+      <p15:notesGuideLst xmlns="" xmlns:p15="http://schemas.microsoft.com/office/powerpoint/2012/main"/>
     </p:ext>
   </p:extLst>
 </p:presentation>
@@ -296,7 +296,7 @@
               <a:pPr>
                 <a:defRPr/>
               </a:pPr>
-              <a:t>10/24/16</a:t>
+              <a:t>10/25/16</a:t>
             </a:fld>
             <a:endParaRPr lang="en-US" dirty="0"/>
           </a:p>
@@ -479,7 +479,7 @@
               <a:pPr>
                 <a:defRPr/>
               </a:pPr>
-              <a:t>10/24/16</a:t>
+              <a:t>10/25/16</a:t>
             </a:fld>
             <a:endParaRPr lang="en-US" dirty="0"/>
           </a:p>
@@ -10006,11 +10006,6 @@
               </a:rPr>
               <a:t>libraries ...</a:t>
             </a:r>
-            <a:endParaRPr lang="en-US" sz="2800" dirty="0" smtClean="0">
-              <a:solidFill>
-                <a:srgbClr val="878F94"/>
-              </a:solidFill>
-            </a:endParaRPr>
           </a:p>
         </p:txBody>
       </p:sp>
@@ -10421,10 +10416,6 @@
               </a:rPr>
               <a:t>Creating a Ruby Gem</a:t>
             </a:r>
-            <a:endParaRPr lang="en-US" dirty="0">
-              <a:latin typeface="Courier New"/>
-              <a:cs typeface="Courier New"/>
-            </a:endParaRPr>
           </a:p>
         </p:txBody>
       </p:sp>
@@ -10485,38 +10476,6 @@
             <a:r>
               <a:rPr lang="en-US" b="1" dirty="0" smtClean="0"/>
               <a:t>Exercise</a:t>
-            </a:r>
-          </a:p>
-        </p:txBody>
-      </p:sp>
-      <p:sp>
-        <p:nvSpPr>
-          <p:cNvPr id="3" name="TextBox 2"/>
-          <p:cNvSpPr txBox="1"/>
-          <p:nvPr/>
-        </p:nvSpPr>
-        <p:spPr bwMode="white">
-          <a:xfrm>
-            <a:off x="582706" y="2345765"/>
-            <a:ext cx="6977529" cy="2166470"/>
-          </a:xfrm>
-          <a:prstGeom prst="rect">
-            <a:avLst/>
-          </a:prstGeom>
-        </p:spPr>
-        <p:txBody>
-          <a:bodyPr vert="horz" wrap="square" lIns="91440" tIns="91440" rIns="91440" bIns="91440" rtlCol="0">
-            <a:normAutofit/>
-          </a:bodyPr>
-          <a:lstStyle/>
-          <a:p>
-            <a:r>
-              <a:rPr lang="en-US" sz="3200" dirty="0" smtClean="0">
-                <a:solidFill>
-                  <a:schemeClr val="bg1"/>
-                </a:solidFill>
-              </a:rPr>
-              <a:t>Motivational thing to say</a:t>
             </a:r>
           </a:p>
         </p:txBody>
@@ -10605,25 +10564,6 @@
       </p:sp>
       <p:sp>
         <p:nvSpPr>
-          <p:cNvPr id="4" name="Content Placeholder 3"/>
-          <p:cNvSpPr>
-            <a:spLocks noGrp="1"/>
-          </p:cNvSpPr>
-          <p:nvPr>
-            <p:ph sz="quarter" idx="12"/>
-          </p:nvPr>
-        </p:nvSpPr>
-        <p:spPr/>
-        <p:txBody>
-          <a:bodyPr/>
-          <a:lstStyle/>
-          <a:p>
-            <a:endParaRPr lang="en-US"/>
-          </a:p>
-        </p:txBody>
-      </p:sp>
-      <p:sp>
-        <p:nvSpPr>
           <p:cNvPr id="5" name="Title 4"/>
           <p:cNvSpPr>
             <a:spLocks noGrp="1"/>
@@ -12726,11 +12666,6 @@
               </a:rPr>
               <a:t>Create Treasure!</a:t>
             </a:r>
-            <a:endParaRPr lang="en-US" sz="7200" i="1" dirty="0" smtClean="0">
-              <a:latin typeface="Apple Chancery" charset="0"/>
-              <a:ea typeface="Apple Chancery" charset="0"/>
-              <a:cs typeface="Apple Chancery" charset="0"/>
-            </a:endParaRPr>
           </a:p>
         </p:txBody>
       </p:sp>
@@ -13093,10 +13028,6 @@
               </a:rPr>
               <a:t>Creating a Ruby Gem</a:t>
             </a:r>
-            <a:endParaRPr lang="en-US" dirty="0">
-              <a:latin typeface="Courier New"/>
-              <a:cs typeface="Courier New"/>
-            </a:endParaRPr>
           </a:p>
         </p:txBody>
       </p:sp>
@@ -13157,38 +13088,6 @@
             <a:r>
               <a:rPr lang="en-US" b="1" dirty="0" smtClean="0"/>
               <a:t>Exercise</a:t>
-            </a:r>
-          </a:p>
-        </p:txBody>
-      </p:sp>
-      <p:sp>
-        <p:nvSpPr>
-          <p:cNvPr id="3" name="TextBox 2"/>
-          <p:cNvSpPr txBox="1"/>
-          <p:nvPr/>
-        </p:nvSpPr>
-        <p:spPr bwMode="white">
-          <a:xfrm>
-            <a:off x="582706" y="2345765"/>
-            <a:ext cx="6977529" cy="2166470"/>
-          </a:xfrm>
-          <a:prstGeom prst="rect">
-            <a:avLst/>
-          </a:prstGeom>
-        </p:spPr>
-        <p:txBody>
-          <a:bodyPr vert="horz" wrap="square" lIns="91440" tIns="91440" rIns="91440" bIns="91440" rtlCol="0">
-            <a:normAutofit/>
-          </a:bodyPr>
-          <a:lstStyle/>
-          <a:p>
-            <a:r>
-              <a:rPr lang="en-US" sz="3200" dirty="0" smtClean="0">
-                <a:solidFill>
-                  <a:schemeClr val="bg1"/>
-                </a:solidFill>
-              </a:rPr>
-              <a:t>Motivational thing to say</a:t>
             </a:r>
           </a:p>
         </p:txBody>
@@ -13278,15 +13177,7 @@
                 <a:ea typeface="Apple Chancery" charset="0"/>
                 <a:cs typeface="Apple Chancery" charset="0"/>
               </a:rPr>
-              <a:t>Refactor</a:t>
-            </a:r>
-            <a:r>
-              <a:rPr lang="en-US" sz="6000" dirty="0" smtClean="0">
-                <a:latin typeface="Apple Chancery" charset="0"/>
-                <a:ea typeface="Apple Chancery" charset="0"/>
-                <a:cs typeface="Apple Chancery" charset="0"/>
-              </a:rPr>
-              <a:t>. Execute the Tests.</a:t>
+              <a:t>Refactor. Execute the Tests.</a:t>
             </a:r>
           </a:p>
           <a:p>
@@ -13666,10 +13557,6 @@
               </a:rPr>
               <a:t>Creating a Ruby Gem</a:t>
             </a:r>
-            <a:endParaRPr lang="en-US" dirty="0">
-              <a:latin typeface="Courier New"/>
-              <a:cs typeface="Courier New"/>
-            </a:endParaRPr>
           </a:p>
         </p:txBody>
       </p:sp>
@@ -13730,38 +13617,6 @@
             <a:r>
               <a:rPr lang="en-US" b="1" dirty="0" smtClean="0"/>
               <a:t>Exercise</a:t>
-            </a:r>
-          </a:p>
-        </p:txBody>
-      </p:sp>
-      <p:sp>
-        <p:nvSpPr>
-          <p:cNvPr id="3" name="TextBox 2"/>
-          <p:cNvSpPr txBox="1"/>
-          <p:nvPr/>
-        </p:nvSpPr>
-        <p:spPr bwMode="white">
-          <a:xfrm>
-            <a:off x="582706" y="2345765"/>
-            <a:ext cx="6977529" cy="2166470"/>
-          </a:xfrm>
-          <a:prstGeom prst="rect">
-            <a:avLst/>
-          </a:prstGeom>
-        </p:spPr>
-        <p:txBody>
-          <a:bodyPr vert="horz" wrap="square" lIns="91440" tIns="91440" rIns="91440" bIns="91440" rtlCol="0">
-            <a:normAutofit/>
-          </a:bodyPr>
-          <a:lstStyle/>
-          <a:p>
-            <a:r>
-              <a:rPr lang="en-US" sz="3200" dirty="0" smtClean="0">
-                <a:solidFill>
-                  <a:schemeClr val="bg1"/>
-                </a:solidFill>
-              </a:rPr>
-              <a:t>Motivational thing to say</a:t>
             </a:r>
           </a:p>
         </p:txBody>
@@ -14015,38 +13870,6 @@
           </a:p>
         </p:txBody>
       </p:sp>
-      <p:sp>
-        <p:nvSpPr>
-          <p:cNvPr id="3" name="TextBox 2"/>
-          <p:cNvSpPr txBox="1"/>
-          <p:nvPr/>
-        </p:nvSpPr>
-        <p:spPr bwMode="white">
-          <a:xfrm>
-            <a:off x="582706" y="2345765"/>
-            <a:ext cx="6977529" cy="2166470"/>
-          </a:xfrm>
-          <a:prstGeom prst="rect">
-            <a:avLst/>
-          </a:prstGeom>
-        </p:spPr>
-        <p:txBody>
-          <a:bodyPr vert="horz" wrap="square" lIns="91440" tIns="91440" rIns="91440" bIns="91440" rtlCol="0">
-            <a:normAutofit/>
-          </a:bodyPr>
-          <a:lstStyle/>
-          <a:p>
-            <a:r>
-              <a:rPr lang="en-US" sz="3200" dirty="0" smtClean="0">
-                <a:solidFill>
-                  <a:schemeClr val="bg1"/>
-                </a:solidFill>
-              </a:rPr>
-              <a:t>Motivational thing to say</a:t>
-            </a:r>
-          </a:p>
-        </p:txBody>
-      </p:sp>
     </p:spTree>
     <p:extLst>
       <p:ext uri="{BB962C8B-B14F-4D97-AF65-F5344CB8AC3E}">
@@ -14137,7 +13960,15 @@
             </a:r>
             <a:r>
               <a:rPr lang="en-US" dirty="0"/>
-              <a:t>package manager for the Ruby programming language that provides a standard format for distributing Ruby programs and libraries (in a self-contained format called a "gem"), a tool designed to easily manage the installation of gems, and a server for distributing them</a:t>
+              <a:t>package manager for the Ruby programming language that provides a standard format for distributing Ruby programs and libraries (in a self-contained format called a "gem"), a tool designed to easily manage the installation of gems, and a server </a:t>
+            </a:r>
+            <a:r>
+              <a:rPr lang="en-US" dirty="0" smtClean="0"/>
+              <a:t>for </a:t>
+            </a:r>
+            <a:r>
+              <a:rPr lang="en-US" dirty="0"/>
+              <a:t>distributing them</a:t>
             </a:r>
             <a:r>
               <a:rPr lang="en-US" dirty="0" smtClean="0"/>
@@ -14151,26 +13982,46 @@
             <a:endParaRPr lang="en-US" dirty="0" smtClean="0"/>
           </a:p>
           <a:p>
-            <a:r>
-              <a:rPr lang="en-US" dirty="0"/>
+            <a:pPr algn="ctr"/>
+            <a:r>
+              <a:rPr lang="en-US" dirty="0">
+                <a:hlinkClick r:id="rId2"/>
+              </a:rPr>
               <a:t>http://</a:t>
             </a:r>
             <a:r>
-              <a:rPr lang="en-US" dirty="0" err="1"/>
+              <a:rPr lang="en-US" dirty="0" err="1">
+                <a:hlinkClick r:id="rId2"/>
+              </a:rPr>
               <a:t>guides.rubygems.org</a:t>
             </a:r>
             <a:r>
-              <a:rPr lang="en-US" dirty="0"/>
+              <a:rPr lang="en-US" dirty="0">
+                <a:hlinkClick r:id="rId2"/>
+              </a:rPr>
               <a:t>/</a:t>
             </a:r>
             <a:r>
-              <a:rPr lang="en-US" dirty="0" err="1"/>
+              <a:rPr lang="en-US" dirty="0" err="1">
+                <a:hlinkClick r:id="rId2"/>
+              </a:rPr>
               <a:t>rubygems</a:t>
             </a:r>
             <a:r>
-              <a:rPr lang="en-US" dirty="0"/>
-              <a:t>-basics/</a:t>
-            </a:r>
+              <a:rPr lang="en-US" dirty="0">
+                <a:hlinkClick r:id="rId2"/>
+              </a:rPr>
+              <a:t>-</a:t>
+            </a:r>
+            <a:r>
+              <a:rPr lang="en-US" dirty="0" smtClean="0">
+                <a:hlinkClick r:id="rId2"/>
+              </a:rPr>
+              <a:t>basics</a:t>
+            </a:r>
+            <a:endParaRPr lang="en-US" dirty="0"/>
+          </a:p>
+          <a:p>
             <a:endParaRPr lang="en-US" dirty="0" smtClean="0"/>
           </a:p>
         </p:txBody>
@@ -14243,32 +14094,141 @@
             <p:ph type="subTitle" idx="1"/>
           </p:nvPr>
         </p:nvSpPr>
-        <p:spPr/>
+        <p:spPr>
+          <a:xfrm>
+            <a:off x="1671638" y="4256715"/>
+            <a:ext cx="12319000" cy="2361544"/>
+          </a:xfrm>
+        </p:spPr>
         <p:txBody>
           <a:bodyPr/>
           <a:lstStyle/>
           <a:p>
             <a:r>
               <a:rPr lang="en-US" dirty="0" smtClean="0"/>
-              <a:t>The command allows you build gems for distribution, install gems locally, and push gems to Gem server.</a:t>
-            </a:r>
+              <a:t>The command allows you build gems for distribution, install gems locally, and push gems to Gem server</a:t>
+            </a:r>
+            <a:r>
+              <a:rPr lang="en-US" dirty="0" smtClean="0"/>
+              <a:t>.</a:t>
+            </a:r>
+          </a:p>
+          <a:p>
+            <a:endParaRPr lang="en-US" dirty="0" smtClean="0"/>
           </a:p>
           <a:p>
             <a:endParaRPr lang="en-US" dirty="0"/>
           </a:p>
           <a:p>
-            <a:r>
-              <a:rPr lang="en-US" dirty="0"/>
+            <a:pPr algn="ctr"/>
+            <a:r>
+              <a:rPr lang="en-US" dirty="0">
+                <a:hlinkClick r:id="rId2"/>
+              </a:rPr>
               <a:t>http://</a:t>
             </a:r>
             <a:r>
-              <a:rPr lang="en-US" dirty="0" err="1"/>
+              <a:rPr lang="en-US" dirty="0" err="1">
+                <a:hlinkClick r:id="rId2"/>
+              </a:rPr>
               <a:t>guides.rubygems.org</a:t>
             </a:r>
             <a:r>
-              <a:rPr lang="en-US" dirty="0"/>
-              <a:t>/command-reference/</a:t>
-            </a:r>
+              <a:rPr lang="en-US" dirty="0">
+                <a:hlinkClick r:id="rId2"/>
+              </a:rPr>
+              <a:t>/command-</a:t>
+            </a:r>
+            <a:r>
+              <a:rPr lang="en-US" dirty="0" smtClean="0">
+                <a:hlinkClick r:id="rId2"/>
+              </a:rPr>
+              <a:t>reference</a:t>
+            </a:r>
+            <a:endParaRPr lang="en-US" dirty="0"/>
+          </a:p>
+        </p:txBody>
+      </p:sp>
+      <p:sp>
+        <p:nvSpPr>
+          <p:cNvPr id="4" name="Rectangle 3"/>
+          <p:cNvSpPr/>
+          <p:nvPr/>
+        </p:nvSpPr>
+        <p:spPr bwMode="auto">
+          <a:xfrm>
+            <a:off x="1775681" y="3221933"/>
+            <a:ext cx="12218092" cy="646739"/>
+          </a:xfrm>
+          <a:prstGeom prst="rect">
+            <a:avLst/>
+          </a:prstGeom>
+          <a:solidFill>
+            <a:schemeClr val="tx2"/>
+          </a:solidFill>
+          <a:ln>
+            <a:noFill/>
+            <a:headEnd type="none" w="med" len="med"/>
+            <a:tailEnd type="none" w="med" len="med"/>
+          </a:ln>
+          <a:effectLst/>
+        </p:spPr>
+        <p:style>
+          <a:lnRef idx="1">
+            <a:schemeClr val="accent4"/>
+          </a:lnRef>
+          <a:fillRef idx="3">
+            <a:schemeClr val="accent4"/>
+          </a:fillRef>
+          <a:effectRef idx="2">
+            <a:schemeClr val="accent4"/>
+          </a:effectRef>
+          <a:fontRef idx="minor">
+            <a:schemeClr val="lt1"/>
+          </a:fontRef>
+        </p:style>
+        <p:txBody>
+          <a:bodyPr vert="horz" wrap="square" lIns="91436" tIns="45718" rIns="91436" bIns="45718" numCol="1" rtlCol="0" anchor="ctr" anchorCtr="0" compatLnSpc="1">
+            <a:prstTxWarp prst="textNoShape">
+              <a:avLst/>
+            </a:prstTxWarp>
+          </a:bodyPr>
+          <a:lstStyle/>
+          <a:p>
+            <a:pPr defTabSz="914099"/>
+            <a:r>
+              <a:rPr lang="en-US" b="1" dirty="0" smtClean="0">
+                <a:gradFill>
+                  <a:gsLst>
+                    <a:gs pos="0">
+                      <a:srgbClr val="FFFFFF"/>
+                    </a:gs>
+                    <a:gs pos="100000">
+                      <a:srgbClr val="FFFFFF"/>
+                    </a:gs>
+                  </a:gsLst>
+                  <a:lin ang="5400000" scaled="0"/>
+                </a:gradFill>
+                <a:latin typeface="Courier New"/>
+                <a:cs typeface="Courier New"/>
+              </a:rPr>
+              <a:t>&gt; chef gem --help</a:t>
+            </a:r>
+            <a:endParaRPr lang="en-US" sz="2400" b="1" dirty="0" smtClean="0">
+              <a:gradFill>
+                <a:gsLst>
+                  <a:gs pos="0">
+                    <a:srgbClr val="FFFFFF"/>
+                  </a:gs>
+                  <a:gs pos="100000">
+                    <a:srgbClr val="FFFFFF"/>
+                  </a:gs>
+                </a:gsLst>
+                <a:lin ang="5400000" scaled="0"/>
+              </a:gradFill>
+              <a:latin typeface="Courier New"/>
+              <a:cs typeface="Courier New"/>
+            </a:endParaRPr>
           </a:p>
         </p:txBody>
       </p:sp>
@@ -14367,18 +14327,20 @@
             <a:endParaRPr lang="en-US" dirty="0"/>
           </a:p>
           <a:p>
-            <a:r>
-              <a:rPr lang="en-US" dirty="0"/>
+            <a:pPr algn="ctr"/>
+            <a:r>
+              <a:rPr lang="en-US" dirty="0">
+                <a:hlinkClick r:id="rId2"/>
+              </a:rPr>
               <a:t>http://</a:t>
             </a:r>
             <a:r>
-              <a:rPr lang="en-US" dirty="0" err="1"/>
+              <a:rPr lang="en-US" dirty="0" err="1" smtClean="0">
+                <a:hlinkClick r:id="rId2"/>
+              </a:rPr>
               <a:t>bundler.io</a:t>
             </a:r>
-            <a:r>
-              <a:rPr lang="en-US" dirty="0"/>
-              <a:t>/</a:t>
-            </a:r>
+            <a:endParaRPr lang="en-US" dirty="0"/>
           </a:p>
         </p:txBody>
       </p:sp>
@@ -14450,7 +14412,12 @@
             <p:ph type="subTitle" idx="1"/>
           </p:nvPr>
         </p:nvSpPr>
-        <p:spPr/>
+        <p:spPr>
+          <a:xfrm>
+            <a:off x="1671638" y="4139126"/>
+            <a:ext cx="12319000" cy="2479133"/>
+          </a:xfrm>
+        </p:spPr>
         <p:txBody>
           <a:bodyPr/>
           <a:lstStyle/>
@@ -14460,6 +14427,89 @@
               <a:t>The command allows you to install and update a project's dependencies. It will also allow you to generate a cookbook.</a:t>
             </a:r>
             <a:endParaRPr lang="en-US" dirty="0"/>
+          </a:p>
+        </p:txBody>
+      </p:sp>
+      <p:sp>
+        <p:nvSpPr>
+          <p:cNvPr id="4" name="Rectangle 3"/>
+          <p:cNvSpPr/>
+          <p:nvPr/>
+        </p:nvSpPr>
+        <p:spPr bwMode="auto">
+          <a:xfrm>
+            <a:off x="1775681" y="3221933"/>
+            <a:ext cx="12218092" cy="646739"/>
+          </a:xfrm>
+          <a:prstGeom prst="rect">
+            <a:avLst/>
+          </a:prstGeom>
+          <a:solidFill>
+            <a:schemeClr val="tx2"/>
+          </a:solidFill>
+          <a:ln>
+            <a:noFill/>
+            <a:headEnd type="none" w="med" len="med"/>
+            <a:tailEnd type="none" w="med" len="med"/>
+          </a:ln>
+          <a:effectLst/>
+        </p:spPr>
+        <p:style>
+          <a:lnRef idx="1">
+            <a:schemeClr val="accent4"/>
+          </a:lnRef>
+          <a:fillRef idx="3">
+            <a:schemeClr val="accent4"/>
+          </a:fillRef>
+          <a:effectRef idx="2">
+            <a:schemeClr val="accent4"/>
+          </a:effectRef>
+          <a:fontRef idx="minor">
+            <a:schemeClr val="lt1"/>
+          </a:fontRef>
+        </p:style>
+        <p:txBody>
+          <a:bodyPr vert="horz" wrap="square" lIns="91436" tIns="45718" rIns="91436" bIns="45718" numCol="1" rtlCol="0" anchor="ctr" anchorCtr="0" compatLnSpc="1">
+            <a:prstTxWarp prst="textNoShape">
+              <a:avLst/>
+            </a:prstTxWarp>
+          </a:bodyPr>
+          <a:lstStyle/>
+          <a:p>
+            <a:pPr defTabSz="914099"/>
+            <a:r>
+              <a:rPr lang="en-US" b="1" dirty="0" smtClean="0">
+                <a:gradFill>
+                  <a:gsLst>
+                    <a:gs pos="0">
+                      <a:srgbClr val="FFFFFF"/>
+                    </a:gs>
+                    <a:gs pos="100000">
+                      <a:srgbClr val="FFFFFF"/>
+                    </a:gs>
+                  </a:gsLst>
+                  <a:lin ang="5400000" scaled="0"/>
+                </a:gradFill>
+                <a:latin typeface="Courier New"/>
+                <a:cs typeface="Courier New"/>
+              </a:rPr>
+              <a:t>&gt; chef exec bundle --help</a:t>
+            </a:r>
+            <a:endParaRPr lang="en-US" sz="2400" b="1" dirty="0" smtClean="0">
+              <a:gradFill>
+                <a:gsLst>
+                  <a:gs pos="0">
+                    <a:srgbClr val="FFFFFF"/>
+                  </a:gs>
+                  <a:gs pos="100000">
+                    <a:srgbClr val="FFFFFF"/>
+                  </a:gs>
+                </a:gsLst>
+                <a:lin ang="5400000" scaled="0"/>
+              </a:gradFill>
+              <a:latin typeface="Courier New"/>
+              <a:cs typeface="Courier New"/>
+            </a:endParaRPr>
           </a:p>
         </p:txBody>
       </p:sp>
@@ -14597,10 +14647,6 @@
               </a:rPr>
               <a:t>Creating a Ruby Gem</a:t>
             </a:r>
-            <a:endParaRPr lang="en-US" dirty="0">
-              <a:latin typeface="Courier New"/>
-              <a:cs typeface="Courier New"/>
-            </a:endParaRPr>
           </a:p>
         </p:txBody>
       </p:sp>
@@ -14661,38 +14707,6 @@
             <a:r>
               <a:rPr lang="en-US" b="1" dirty="0" smtClean="0"/>
               <a:t>Exercise</a:t>
-            </a:r>
-          </a:p>
-        </p:txBody>
-      </p:sp>
-      <p:sp>
-        <p:nvSpPr>
-          <p:cNvPr id="3" name="TextBox 2"/>
-          <p:cNvSpPr txBox="1"/>
-          <p:nvPr/>
-        </p:nvSpPr>
-        <p:spPr bwMode="white">
-          <a:xfrm>
-            <a:off x="582706" y="2345765"/>
-            <a:ext cx="6977529" cy="2166470"/>
-          </a:xfrm>
-          <a:prstGeom prst="rect">
-            <a:avLst/>
-          </a:prstGeom>
-        </p:spPr>
-        <p:txBody>
-          <a:bodyPr vert="horz" wrap="square" lIns="91440" tIns="91440" rIns="91440" bIns="91440" rtlCol="0">
-            <a:normAutofit/>
-          </a:bodyPr>
-          <a:lstStyle/>
-          <a:p>
-            <a:r>
-              <a:rPr lang="en-US" sz="3200" dirty="0" smtClean="0">
-                <a:solidFill>
-                  <a:schemeClr val="bg1"/>
-                </a:solidFill>
-              </a:rPr>
-              <a:t>Motivational thing to say</a:t>
             </a:r>
           </a:p>
         </p:txBody>
@@ -15173,7 +15187,7 @@
   <a:extraClrSchemeLst/>
   <a:extLst>
     <a:ext uri="{05A4C25C-085E-4340-85A3-A5531E510DB2}">
-      <thm15:themeFamily xmlns:thm15="http://schemas.microsoft.com/office/thememl/2012/main" xmlns="" name="Chef-TemplateComps_v09-16x9-Light.potx" id="{078CEFDB-FA7A-4E36-9964-13EF367585CB}" vid="{8B87B0F3-7308-43D5-8388-E1B49EA02652}"/>
+      <thm15:themeFamily xmlns="" xmlns:thm15="http://schemas.microsoft.com/office/thememl/2012/main" name="Chef-TemplateComps_v09-16x9-Light.potx" id="{078CEFDB-FA7A-4E36-9964-13EF367585CB}" vid="{8B87B0F3-7308-43D5-8388-E1B49EA02652}"/>
     </a:ext>
   </a:extLst>
 </a:theme>
@@ -15555,7 +15569,7 @@
   <a:extraClrSchemeLst/>
   <a:extLst>
     <a:ext uri="{05A4C25C-085E-4340-85A3-A5531E510DB2}">
-      <thm15:themeFamily xmlns:thm15="http://schemas.microsoft.com/office/thememl/2012/main" xmlns="" name="Chef-TemplateComps_v09-16x9-Light.potx" id="{078CEFDB-FA7A-4E36-9964-13EF367585CB}" vid="{8B87B0F3-7308-43D5-8388-E1B49EA02652}"/>
+      <thm15:themeFamily xmlns="" xmlns:thm15="http://schemas.microsoft.com/office/thememl/2012/main" name="Chef-TemplateComps_v09-16x9-Light.potx" id="{078CEFDB-FA7A-4E36-9964-13EF367585CB}" vid="{8B87B0F3-7308-43D5-8388-E1B49EA02652}"/>
     </a:ext>
   </a:extLst>
 </a:theme>
